--- a/ppt 16-9/0823.到施恩座前.pptx
+++ b/ppt 16-9/0823.到施恩座前.pptx
@@ -5,7 +5,7 @@
     <p:sldMasterId id="2147483648" r:id="rId1"/>
   </p:sldMasterIdLst>
   <p:sldIdLst>
-    <p:sldId id="2103" r:id="rId2"/>
+    <p:sldId id="2104" r:id="rId2"/>
   </p:sldIdLst>
   <p:sldSz cx="12192000" cy="6858000"/>
   <p:notesSz cx="6858000" cy="9144000"/>
@@ -129,7 +129,7 @@
           <p:cNvPr id="2" name="标题 1">
             <a:extLst>
               <a:ext uri="{FF2B5EF4-FFF2-40B4-BE49-F238E27FC236}">
-                <a16:creationId xmlns:a16="http://schemas.microsoft.com/office/drawing/2014/main" id="{845A2B14-5272-0BF4-0609-5AB0F4A60EB4}"/>
+                <a16:creationId xmlns:a16="http://schemas.microsoft.com/office/drawing/2014/main" id="{6A62CB18-B76A-D530-61C7-E79FF05F8F20}"/>
               </a:ext>
             </a:extLst>
           </p:cNvPr>
@@ -166,7 +166,7 @@
           <p:cNvPr id="3" name="副标题 2">
             <a:extLst>
               <a:ext uri="{FF2B5EF4-FFF2-40B4-BE49-F238E27FC236}">
-                <a16:creationId xmlns:a16="http://schemas.microsoft.com/office/drawing/2014/main" id="{F79DE9FD-F9AE-EF66-8F8F-DBA478B8AC37}"/>
+                <a16:creationId xmlns:a16="http://schemas.microsoft.com/office/drawing/2014/main" id="{45D8450A-B2DC-35CF-8158-A06EB81572C8}"/>
               </a:ext>
             </a:extLst>
           </p:cNvPr>
@@ -236,7 +236,7 @@
           <p:cNvPr id="4" name="日期占位符 3">
             <a:extLst>
               <a:ext uri="{FF2B5EF4-FFF2-40B4-BE49-F238E27FC236}">
-                <a16:creationId xmlns:a16="http://schemas.microsoft.com/office/drawing/2014/main" id="{F6999EB8-CDBF-185F-ED02-2147C0EE12F2}"/>
+                <a16:creationId xmlns:a16="http://schemas.microsoft.com/office/drawing/2014/main" id="{08B2E078-5FAB-70AB-8E82-819EA1CF7DEE}"/>
               </a:ext>
             </a:extLst>
           </p:cNvPr>
@@ -252,7 +252,7 @@
           <a:bodyPr/>
           <a:lstStyle/>
           <a:p>
-            <a:fld id="{0AD2DBBD-D69C-4085-8492-CFAB4E8FA3A8}" type="datetimeFigureOut">
+            <a:fld id="{01525CE1-0038-406B-9E1B-E7DDEBAB059C}" type="datetimeFigureOut">
               <a:rPr lang="zh-CN" altLang="en-US" smtClean="0"/>
               <a:t>2024/3/10</a:t>
             </a:fld>
@@ -265,7 +265,7 @@
           <p:cNvPr id="5" name="页脚占位符 4">
             <a:extLst>
               <a:ext uri="{FF2B5EF4-FFF2-40B4-BE49-F238E27FC236}">
-                <a16:creationId xmlns:a16="http://schemas.microsoft.com/office/drawing/2014/main" id="{38BA858A-AA8D-C2A1-933E-46C0C3953CE4}"/>
+                <a16:creationId xmlns:a16="http://schemas.microsoft.com/office/drawing/2014/main" id="{4F9BF3D3-4F84-D40C-B3EA-B175B2058590}"/>
               </a:ext>
             </a:extLst>
           </p:cNvPr>
@@ -290,7 +290,7 @@
           <p:cNvPr id="6" name="灯片编号占位符 5">
             <a:extLst>
               <a:ext uri="{FF2B5EF4-FFF2-40B4-BE49-F238E27FC236}">
-                <a16:creationId xmlns:a16="http://schemas.microsoft.com/office/drawing/2014/main" id="{28D089CB-57DF-87E5-D279-214FD56B77C7}"/>
+                <a16:creationId xmlns:a16="http://schemas.microsoft.com/office/drawing/2014/main" id="{2CAAB95C-08CB-33C9-FF66-899BB66EBD73}"/>
               </a:ext>
             </a:extLst>
           </p:cNvPr>
@@ -306,7 +306,7 @@
           <a:bodyPr/>
           <a:lstStyle/>
           <a:p>
-            <a:fld id="{6E0E52B9-A3EE-4317-9A64-475EFB8D9E16}" type="slidenum">
+            <a:fld id="{FD76F0EB-0544-429F-A2F8-99FDE8777CE4}" type="slidenum">
               <a:rPr lang="zh-CN" altLang="en-US" smtClean="0"/>
               <a:t>‹#›</a:t>
             </a:fld>
@@ -317,7 +317,7 @@
     </p:spTree>
     <p:extLst>
       <p:ext uri="{BB962C8B-B14F-4D97-AF65-F5344CB8AC3E}">
-        <p14:creationId xmlns:p14="http://schemas.microsoft.com/office/powerpoint/2010/main" val="1120958871"/>
+        <p14:creationId xmlns:p14="http://schemas.microsoft.com/office/powerpoint/2010/main" val="3286732861"/>
       </p:ext>
     </p:extLst>
   </p:cSld>
@@ -349,7 +349,7 @@
           <p:cNvPr id="2" name="标题 1">
             <a:extLst>
               <a:ext uri="{FF2B5EF4-FFF2-40B4-BE49-F238E27FC236}">
-                <a16:creationId xmlns:a16="http://schemas.microsoft.com/office/drawing/2014/main" id="{388241C6-B8E5-E218-2ED3-D83D8BD839C7}"/>
+                <a16:creationId xmlns:a16="http://schemas.microsoft.com/office/drawing/2014/main" id="{04D0BA0A-2D2E-69D1-D3BB-63F94D8A1ADB}"/>
               </a:ext>
             </a:extLst>
           </p:cNvPr>
@@ -377,7 +377,7 @@
           <p:cNvPr id="3" name="竖排文字占位符 2">
             <a:extLst>
               <a:ext uri="{FF2B5EF4-FFF2-40B4-BE49-F238E27FC236}">
-                <a16:creationId xmlns:a16="http://schemas.microsoft.com/office/drawing/2014/main" id="{907B52C6-9BD0-B79A-E654-39B4455283E3}"/>
+                <a16:creationId xmlns:a16="http://schemas.microsoft.com/office/drawing/2014/main" id="{E903312C-4E1E-0D70-BB97-134FFA3623D2}"/>
               </a:ext>
             </a:extLst>
           </p:cNvPr>
@@ -434,7 +434,7 @@
           <p:cNvPr id="4" name="日期占位符 3">
             <a:extLst>
               <a:ext uri="{FF2B5EF4-FFF2-40B4-BE49-F238E27FC236}">
-                <a16:creationId xmlns:a16="http://schemas.microsoft.com/office/drawing/2014/main" id="{300262FB-55E7-8784-912E-20C48E23AC6A}"/>
+                <a16:creationId xmlns:a16="http://schemas.microsoft.com/office/drawing/2014/main" id="{3572C8ED-B3EA-D638-BF82-1C91588E1862}"/>
               </a:ext>
             </a:extLst>
           </p:cNvPr>
@@ -450,7 +450,7 @@
           <a:bodyPr/>
           <a:lstStyle/>
           <a:p>
-            <a:fld id="{0AD2DBBD-D69C-4085-8492-CFAB4E8FA3A8}" type="datetimeFigureOut">
+            <a:fld id="{01525CE1-0038-406B-9E1B-E7DDEBAB059C}" type="datetimeFigureOut">
               <a:rPr lang="zh-CN" altLang="en-US" smtClean="0"/>
               <a:t>2024/3/10</a:t>
             </a:fld>
@@ -463,7 +463,7 @@
           <p:cNvPr id="5" name="页脚占位符 4">
             <a:extLst>
               <a:ext uri="{FF2B5EF4-FFF2-40B4-BE49-F238E27FC236}">
-                <a16:creationId xmlns:a16="http://schemas.microsoft.com/office/drawing/2014/main" id="{FB9E4466-C5B6-1755-FE37-71DB6586FCB3}"/>
+                <a16:creationId xmlns:a16="http://schemas.microsoft.com/office/drawing/2014/main" id="{B0DA5235-7B5D-77FC-2074-3D353987661E}"/>
               </a:ext>
             </a:extLst>
           </p:cNvPr>
@@ -488,7 +488,7 @@
           <p:cNvPr id="6" name="灯片编号占位符 5">
             <a:extLst>
               <a:ext uri="{FF2B5EF4-FFF2-40B4-BE49-F238E27FC236}">
-                <a16:creationId xmlns:a16="http://schemas.microsoft.com/office/drawing/2014/main" id="{814419A2-947C-B3C8-300D-914C5691483C}"/>
+                <a16:creationId xmlns:a16="http://schemas.microsoft.com/office/drawing/2014/main" id="{26B4467E-F12F-CCCE-94E5-A100CA0F9D73}"/>
               </a:ext>
             </a:extLst>
           </p:cNvPr>
@@ -504,7 +504,7 @@
           <a:bodyPr/>
           <a:lstStyle/>
           <a:p>
-            <a:fld id="{6E0E52B9-A3EE-4317-9A64-475EFB8D9E16}" type="slidenum">
+            <a:fld id="{FD76F0EB-0544-429F-A2F8-99FDE8777CE4}" type="slidenum">
               <a:rPr lang="zh-CN" altLang="en-US" smtClean="0"/>
               <a:t>‹#›</a:t>
             </a:fld>
@@ -515,7 +515,7 @@
     </p:spTree>
     <p:extLst>
       <p:ext uri="{BB962C8B-B14F-4D97-AF65-F5344CB8AC3E}">
-        <p14:creationId xmlns:p14="http://schemas.microsoft.com/office/powerpoint/2010/main" val="408654081"/>
+        <p14:creationId xmlns:p14="http://schemas.microsoft.com/office/powerpoint/2010/main" val="2336044803"/>
       </p:ext>
     </p:extLst>
   </p:cSld>
@@ -547,7 +547,7 @@
           <p:cNvPr id="2" name="竖排标题 1">
             <a:extLst>
               <a:ext uri="{FF2B5EF4-FFF2-40B4-BE49-F238E27FC236}">
-                <a16:creationId xmlns:a16="http://schemas.microsoft.com/office/drawing/2014/main" id="{FABD6619-043F-1789-798A-00BCA8C4949F}"/>
+                <a16:creationId xmlns:a16="http://schemas.microsoft.com/office/drawing/2014/main" id="{D530A5E3-48D9-1C47-5770-0D1D12F9A3C0}"/>
               </a:ext>
             </a:extLst>
           </p:cNvPr>
@@ -580,7 +580,7 @@
           <p:cNvPr id="3" name="竖排文字占位符 2">
             <a:extLst>
               <a:ext uri="{FF2B5EF4-FFF2-40B4-BE49-F238E27FC236}">
-                <a16:creationId xmlns:a16="http://schemas.microsoft.com/office/drawing/2014/main" id="{7A45DF84-632A-E145-65C0-AF3037B16947}"/>
+                <a16:creationId xmlns:a16="http://schemas.microsoft.com/office/drawing/2014/main" id="{B42E7455-09CE-7CDD-A500-EAAB194012FF}"/>
               </a:ext>
             </a:extLst>
           </p:cNvPr>
@@ -642,7 +642,7 @@
           <p:cNvPr id="4" name="日期占位符 3">
             <a:extLst>
               <a:ext uri="{FF2B5EF4-FFF2-40B4-BE49-F238E27FC236}">
-                <a16:creationId xmlns:a16="http://schemas.microsoft.com/office/drawing/2014/main" id="{66E77B80-672F-E03C-FA73-4B92086907BF}"/>
+                <a16:creationId xmlns:a16="http://schemas.microsoft.com/office/drawing/2014/main" id="{1B487012-410E-D413-7B58-E65AE323952C}"/>
               </a:ext>
             </a:extLst>
           </p:cNvPr>
@@ -658,7 +658,7 @@
           <a:bodyPr/>
           <a:lstStyle/>
           <a:p>
-            <a:fld id="{0AD2DBBD-D69C-4085-8492-CFAB4E8FA3A8}" type="datetimeFigureOut">
+            <a:fld id="{01525CE1-0038-406B-9E1B-E7DDEBAB059C}" type="datetimeFigureOut">
               <a:rPr lang="zh-CN" altLang="en-US" smtClean="0"/>
               <a:t>2024/3/10</a:t>
             </a:fld>
@@ -671,7 +671,7 @@
           <p:cNvPr id="5" name="页脚占位符 4">
             <a:extLst>
               <a:ext uri="{FF2B5EF4-FFF2-40B4-BE49-F238E27FC236}">
-                <a16:creationId xmlns:a16="http://schemas.microsoft.com/office/drawing/2014/main" id="{75166DAB-0042-BD13-5B1A-294EED503AE0}"/>
+                <a16:creationId xmlns:a16="http://schemas.microsoft.com/office/drawing/2014/main" id="{7917B3E5-318C-33E7-ED1F-5384A845A8BD}"/>
               </a:ext>
             </a:extLst>
           </p:cNvPr>
@@ -696,7 +696,7 @@
           <p:cNvPr id="6" name="灯片编号占位符 5">
             <a:extLst>
               <a:ext uri="{FF2B5EF4-FFF2-40B4-BE49-F238E27FC236}">
-                <a16:creationId xmlns:a16="http://schemas.microsoft.com/office/drawing/2014/main" id="{8972D1D5-5FFC-FD4F-3DBD-D00F449C5037}"/>
+                <a16:creationId xmlns:a16="http://schemas.microsoft.com/office/drawing/2014/main" id="{7B407F2E-F1D9-DD7A-7B1C-C28131885DCA}"/>
               </a:ext>
             </a:extLst>
           </p:cNvPr>
@@ -712,7 +712,7 @@
           <a:bodyPr/>
           <a:lstStyle/>
           <a:p>
-            <a:fld id="{6E0E52B9-A3EE-4317-9A64-475EFB8D9E16}" type="slidenum">
+            <a:fld id="{FD76F0EB-0544-429F-A2F8-99FDE8777CE4}" type="slidenum">
               <a:rPr lang="zh-CN" altLang="en-US" smtClean="0"/>
               <a:t>‹#›</a:t>
             </a:fld>
@@ -723,7 +723,7 @@
     </p:spTree>
     <p:extLst>
       <p:ext uri="{BB962C8B-B14F-4D97-AF65-F5344CB8AC3E}">
-        <p14:creationId xmlns:p14="http://schemas.microsoft.com/office/powerpoint/2010/main" val="506255261"/>
+        <p14:creationId xmlns:p14="http://schemas.microsoft.com/office/powerpoint/2010/main" val="3888968582"/>
       </p:ext>
     </p:extLst>
   </p:cSld>
@@ -755,7 +755,7 @@
           <p:cNvPr id="2" name="标题 1">
             <a:extLst>
               <a:ext uri="{FF2B5EF4-FFF2-40B4-BE49-F238E27FC236}">
-                <a16:creationId xmlns:a16="http://schemas.microsoft.com/office/drawing/2014/main" id="{3F879EBC-F0C5-D05F-F66A-81F1AFCDEB5F}"/>
+                <a16:creationId xmlns:a16="http://schemas.microsoft.com/office/drawing/2014/main" id="{0BF6195C-5ED6-2F29-4D01-C741DE1F2D50}"/>
               </a:ext>
             </a:extLst>
           </p:cNvPr>
@@ -783,7 +783,7 @@
           <p:cNvPr id="3" name="内容占位符 2">
             <a:extLst>
               <a:ext uri="{FF2B5EF4-FFF2-40B4-BE49-F238E27FC236}">
-                <a16:creationId xmlns:a16="http://schemas.microsoft.com/office/drawing/2014/main" id="{2354DCAC-6D72-B51D-7448-8293405769AD}"/>
+                <a16:creationId xmlns:a16="http://schemas.microsoft.com/office/drawing/2014/main" id="{05A2C269-AFBB-C3C1-9594-B8701C2BB8EB}"/>
               </a:ext>
             </a:extLst>
           </p:cNvPr>
@@ -840,7 +840,7 @@
           <p:cNvPr id="4" name="日期占位符 3">
             <a:extLst>
               <a:ext uri="{FF2B5EF4-FFF2-40B4-BE49-F238E27FC236}">
-                <a16:creationId xmlns:a16="http://schemas.microsoft.com/office/drawing/2014/main" id="{41946A59-5ACB-BB2A-2F5D-F0F92BB41CD5}"/>
+                <a16:creationId xmlns:a16="http://schemas.microsoft.com/office/drawing/2014/main" id="{197ECCC8-AEFA-D35B-C694-CE80156218B2}"/>
               </a:ext>
             </a:extLst>
           </p:cNvPr>
@@ -856,7 +856,7 @@
           <a:bodyPr/>
           <a:lstStyle/>
           <a:p>
-            <a:fld id="{0AD2DBBD-D69C-4085-8492-CFAB4E8FA3A8}" type="datetimeFigureOut">
+            <a:fld id="{01525CE1-0038-406B-9E1B-E7DDEBAB059C}" type="datetimeFigureOut">
               <a:rPr lang="zh-CN" altLang="en-US" smtClean="0"/>
               <a:t>2024/3/10</a:t>
             </a:fld>
@@ -869,7 +869,7 @@
           <p:cNvPr id="5" name="页脚占位符 4">
             <a:extLst>
               <a:ext uri="{FF2B5EF4-FFF2-40B4-BE49-F238E27FC236}">
-                <a16:creationId xmlns:a16="http://schemas.microsoft.com/office/drawing/2014/main" id="{E64CBD28-C8D0-8AD9-6A2C-2A0B3EA5099B}"/>
+                <a16:creationId xmlns:a16="http://schemas.microsoft.com/office/drawing/2014/main" id="{111A0E95-C070-F2D6-762E-DF439885B73D}"/>
               </a:ext>
             </a:extLst>
           </p:cNvPr>
@@ -894,7 +894,7 @@
           <p:cNvPr id="6" name="灯片编号占位符 5">
             <a:extLst>
               <a:ext uri="{FF2B5EF4-FFF2-40B4-BE49-F238E27FC236}">
-                <a16:creationId xmlns:a16="http://schemas.microsoft.com/office/drawing/2014/main" id="{1BDCF84F-28DD-D93B-7944-C16F5D168DCE}"/>
+                <a16:creationId xmlns:a16="http://schemas.microsoft.com/office/drawing/2014/main" id="{57BBA9C6-163D-1193-D90C-316B76CD4BBD}"/>
               </a:ext>
             </a:extLst>
           </p:cNvPr>
@@ -910,7 +910,7 @@
           <a:bodyPr/>
           <a:lstStyle/>
           <a:p>
-            <a:fld id="{6E0E52B9-A3EE-4317-9A64-475EFB8D9E16}" type="slidenum">
+            <a:fld id="{FD76F0EB-0544-429F-A2F8-99FDE8777CE4}" type="slidenum">
               <a:rPr lang="zh-CN" altLang="en-US" smtClean="0"/>
               <a:t>‹#›</a:t>
             </a:fld>
@@ -921,7 +921,7 @@
     </p:spTree>
     <p:extLst>
       <p:ext uri="{BB962C8B-B14F-4D97-AF65-F5344CB8AC3E}">
-        <p14:creationId xmlns:p14="http://schemas.microsoft.com/office/powerpoint/2010/main" val="1612408298"/>
+        <p14:creationId xmlns:p14="http://schemas.microsoft.com/office/powerpoint/2010/main" val="3155184707"/>
       </p:ext>
     </p:extLst>
   </p:cSld>
@@ -953,7 +953,7 @@
           <p:cNvPr id="2" name="标题 1">
             <a:extLst>
               <a:ext uri="{FF2B5EF4-FFF2-40B4-BE49-F238E27FC236}">
-                <a16:creationId xmlns:a16="http://schemas.microsoft.com/office/drawing/2014/main" id="{93680265-DE71-9512-AF24-E36EC283957F}"/>
+                <a16:creationId xmlns:a16="http://schemas.microsoft.com/office/drawing/2014/main" id="{0CE50C59-8A22-8A70-C1C7-28F0267A60D8}"/>
               </a:ext>
             </a:extLst>
           </p:cNvPr>
@@ -990,7 +990,7 @@
           <p:cNvPr id="3" name="文本占位符 2">
             <a:extLst>
               <a:ext uri="{FF2B5EF4-FFF2-40B4-BE49-F238E27FC236}">
-                <a16:creationId xmlns:a16="http://schemas.microsoft.com/office/drawing/2014/main" id="{D713D0D2-907B-FA44-D0BA-3D380A689428}"/>
+                <a16:creationId xmlns:a16="http://schemas.microsoft.com/office/drawing/2014/main" id="{2C3DE146-A577-B6B4-E416-E490C044A8C4}"/>
               </a:ext>
             </a:extLst>
           </p:cNvPr>
@@ -1115,7 +1115,7 @@
           <p:cNvPr id="4" name="日期占位符 3">
             <a:extLst>
               <a:ext uri="{FF2B5EF4-FFF2-40B4-BE49-F238E27FC236}">
-                <a16:creationId xmlns:a16="http://schemas.microsoft.com/office/drawing/2014/main" id="{B360984A-D9C9-B523-6022-E03F78E299BD}"/>
+                <a16:creationId xmlns:a16="http://schemas.microsoft.com/office/drawing/2014/main" id="{BC707687-C2AA-675B-109F-85292B54135F}"/>
               </a:ext>
             </a:extLst>
           </p:cNvPr>
@@ -1131,7 +1131,7 @@
           <a:bodyPr/>
           <a:lstStyle/>
           <a:p>
-            <a:fld id="{0AD2DBBD-D69C-4085-8492-CFAB4E8FA3A8}" type="datetimeFigureOut">
+            <a:fld id="{01525CE1-0038-406B-9E1B-E7DDEBAB059C}" type="datetimeFigureOut">
               <a:rPr lang="zh-CN" altLang="en-US" smtClean="0"/>
               <a:t>2024/3/10</a:t>
             </a:fld>
@@ -1144,7 +1144,7 @@
           <p:cNvPr id="5" name="页脚占位符 4">
             <a:extLst>
               <a:ext uri="{FF2B5EF4-FFF2-40B4-BE49-F238E27FC236}">
-                <a16:creationId xmlns:a16="http://schemas.microsoft.com/office/drawing/2014/main" id="{59F66A8E-DE5D-616C-BC31-AE5E52449F3E}"/>
+                <a16:creationId xmlns:a16="http://schemas.microsoft.com/office/drawing/2014/main" id="{78ADEE68-81C8-D21D-194D-9BEE8324A36B}"/>
               </a:ext>
             </a:extLst>
           </p:cNvPr>
@@ -1169,7 +1169,7 @@
           <p:cNvPr id="6" name="灯片编号占位符 5">
             <a:extLst>
               <a:ext uri="{FF2B5EF4-FFF2-40B4-BE49-F238E27FC236}">
-                <a16:creationId xmlns:a16="http://schemas.microsoft.com/office/drawing/2014/main" id="{808B1123-A6A3-DBCF-6E90-DE8B50327B3A}"/>
+                <a16:creationId xmlns:a16="http://schemas.microsoft.com/office/drawing/2014/main" id="{955C7356-EC3C-7351-6BF4-9A1E24A0D6D6}"/>
               </a:ext>
             </a:extLst>
           </p:cNvPr>
@@ -1185,7 +1185,7 @@
           <a:bodyPr/>
           <a:lstStyle/>
           <a:p>
-            <a:fld id="{6E0E52B9-A3EE-4317-9A64-475EFB8D9E16}" type="slidenum">
+            <a:fld id="{FD76F0EB-0544-429F-A2F8-99FDE8777CE4}" type="slidenum">
               <a:rPr lang="zh-CN" altLang="en-US" smtClean="0"/>
               <a:t>‹#›</a:t>
             </a:fld>
@@ -1196,7 +1196,7 @@
     </p:spTree>
     <p:extLst>
       <p:ext uri="{BB962C8B-B14F-4D97-AF65-F5344CB8AC3E}">
-        <p14:creationId xmlns:p14="http://schemas.microsoft.com/office/powerpoint/2010/main" val="2984062183"/>
+        <p14:creationId xmlns:p14="http://schemas.microsoft.com/office/powerpoint/2010/main" val="1111993038"/>
       </p:ext>
     </p:extLst>
   </p:cSld>
@@ -1228,7 +1228,7 @@
           <p:cNvPr id="2" name="标题 1">
             <a:extLst>
               <a:ext uri="{FF2B5EF4-FFF2-40B4-BE49-F238E27FC236}">
-                <a16:creationId xmlns:a16="http://schemas.microsoft.com/office/drawing/2014/main" id="{AF47FA89-5C50-C8B5-52E4-3BFF3E6143ED}"/>
+                <a16:creationId xmlns:a16="http://schemas.microsoft.com/office/drawing/2014/main" id="{48FB327E-CCA3-4567-0E81-8067FED43625}"/>
               </a:ext>
             </a:extLst>
           </p:cNvPr>
@@ -1256,7 +1256,7 @@
           <p:cNvPr id="3" name="内容占位符 2">
             <a:extLst>
               <a:ext uri="{FF2B5EF4-FFF2-40B4-BE49-F238E27FC236}">
-                <a16:creationId xmlns:a16="http://schemas.microsoft.com/office/drawing/2014/main" id="{243620ED-2A48-A408-F81F-DDCCB1E5009F}"/>
+                <a16:creationId xmlns:a16="http://schemas.microsoft.com/office/drawing/2014/main" id="{ED3ED2E5-07FE-7295-4C06-F03144807470}"/>
               </a:ext>
             </a:extLst>
           </p:cNvPr>
@@ -1318,7 +1318,7 @@
           <p:cNvPr id="4" name="内容占位符 3">
             <a:extLst>
               <a:ext uri="{FF2B5EF4-FFF2-40B4-BE49-F238E27FC236}">
-                <a16:creationId xmlns:a16="http://schemas.microsoft.com/office/drawing/2014/main" id="{0B4405ED-03BC-EA98-5D0E-FE34794BCAB2}"/>
+                <a16:creationId xmlns:a16="http://schemas.microsoft.com/office/drawing/2014/main" id="{E4946CED-C5BE-AFB6-95C9-EB4016B4B25F}"/>
               </a:ext>
             </a:extLst>
           </p:cNvPr>
@@ -1380,7 +1380,7 @@
           <p:cNvPr id="5" name="日期占位符 4">
             <a:extLst>
               <a:ext uri="{FF2B5EF4-FFF2-40B4-BE49-F238E27FC236}">
-                <a16:creationId xmlns:a16="http://schemas.microsoft.com/office/drawing/2014/main" id="{C1EFDBCD-F569-73A8-2071-39AF64E7C1F7}"/>
+                <a16:creationId xmlns:a16="http://schemas.microsoft.com/office/drawing/2014/main" id="{FBF8DACD-F020-1FEE-9A6F-562EEBD9731D}"/>
               </a:ext>
             </a:extLst>
           </p:cNvPr>
@@ -1396,7 +1396,7 @@
           <a:bodyPr/>
           <a:lstStyle/>
           <a:p>
-            <a:fld id="{0AD2DBBD-D69C-4085-8492-CFAB4E8FA3A8}" type="datetimeFigureOut">
+            <a:fld id="{01525CE1-0038-406B-9E1B-E7DDEBAB059C}" type="datetimeFigureOut">
               <a:rPr lang="zh-CN" altLang="en-US" smtClean="0"/>
               <a:t>2024/3/10</a:t>
             </a:fld>
@@ -1409,7 +1409,7 @@
           <p:cNvPr id="6" name="页脚占位符 5">
             <a:extLst>
               <a:ext uri="{FF2B5EF4-FFF2-40B4-BE49-F238E27FC236}">
-                <a16:creationId xmlns:a16="http://schemas.microsoft.com/office/drawing/2014/main" id="{0C5C2C53-FB1C-77EA-7EE7-F03304F06A59}"/>
+                <a16:creationId xmlns:a16="http://schemas.microsoft.com/office/drawing/2014/main" id="{A394D186-3537-B259-849A-AAFAF323D43B}"/>
               </a:ext>
             </a:extLst>
           </p:cNvPr>
@@ -1434,7 +1434,7 @@
           <p:cNvPr id="7" name="灯片编号占位符 6">
             <a:extLst>
               <a:ext uri="{FF2B5EF4-FFF2-40B4-BE49-F238E27FC236}">
-                <a16:creationId xmlns:a16="http://schemas.microsoft.com/office/drawing/2014/main" id="{D92FF02F-A4AF-D43A-050F-CBD86C4B92C8}"/>
+                <a16:creationId xmlns:a16="http://schemas.microsoft.com/office/drawing/2014/main" id="{DC57C9DC-D988-BF12-DBDE-3433AC905B1C}"/>
               </a:ext>
             </a:extLst>
           </p:cNvPr>
@@ -1450,7 +1450,7 @@
           <a:bodyPr/>
           <a:lstStyle/>
           <a:p>
-            <a:fld id="{6E0E52B9-A3EE-4317-9A64-475EFB8D9E16}" type="slidenum">
+            <a:fld id="{FD76F0EB-0544-429F-A2F8-99FDE8777CE4}" type="slidenum">
               <a:rPr lang="zh-CN" altLang="en-US" smtClean="0"/>
               <a:t>‹#›</a:t>
             </a:fld>
@@ -1461,7 +1461,7 @@
     </p:spTree>
     <p:extLst>
       <p:ext uri="{BB962C8B-B14F-4D97-AF65-F5344CB8AC3E}">
-        <p14:creationId xmlns:p14="http://schemas.microsoft.com/office/powerpoint/2010/main" val="3493953364"/>
+        <p14:creationId xmlns:p14="http://schemas.microsoft.com/office/powerpoint/2010/main" val="2812875575"/>
       </p:ext>
     </p:extLst>
   </p:cSld>
@@ -1493,7 +1493,7 @@
           <p:cNvPr id="2" name="标题 1">
             <a:extLst>
               <a:ext uri="{FF2B5EF4-FFF2-40B4-BE49-F238E27FC236}">
-                <a16:creationId xmlns:a16="http://schemas.microsoft.com/office/drawing/2014/main" id="{67103549-AC17-9816-8923-1C728513EBC6}"/>
+                <a16:creationId xmlns:a16="http://schemas.microsoft.com/office/drawing/2014/main" id="{34C37622-C133-FD0A-7C20-B590D9FF9794}"/>
               </a:ext>
             </a:extLst>
           </p:cNvPr>
@@ -1526,7 +1526,7 @@
           <p:cNvPr id="3" name="文本占位符 2">
             <a:extLst>
               <a:ext uri="{FF2B5EF4-FFF2-40B4-BE49-F238E27FC236}">
-                <a16:creationId xmlns:a16="http://schemas.microsoft.com/office/drawing/2014/main" id="{A14F5F30-B894-9461-9A09-3F58C2B52B91}"/>
+                <a16:creationId xmlns:a16="http://schemas.microsoft.com/office/drawing/2014/main" id="{DD295211-DD1A-3F16-A4FD-3984135AD2BF}"/>
               </a:ext>
             </a:extLst>
           </p:cNvPr>
@@ -1597,7 +1597,7 @@
           <p:cNvPr id="4" name="内容占位符 3">
             <a:extLst>
               <a:ext uri="{FF2B5EF4-FFF2-40B4-BE49-F238E27FC236}">
-                <a16:creationId xmlns:a16="http://schemas.microsoft.com/office/drawing/2014/main" id="{5E3AF229-7CA2-6C77-429C-6FA40922347B}"/>
+                <a16:creationId xmlns:a16="http://schemas.microsoft.com/office/drawing/2014/main" id="{23A6C564-6B60-F93B-DF01-215DB8255660}"/>
               </a:ext>
             </a:extLst>
           </p:cNvPr>
@@ -1659,7 +1659,7 @@
           <p:cNvPr id="5" name="文本占位符 4">
             <a:extLst>
               <a:ext uri="{FF2B5EF4-FFF2-40B4-BE49-F238E27FC236}">
-                <a16:creationId xmlns:a16="http://schemas.microsoft.com/office/drawing/2014/main" id="{C2AF6413-6958-ADE8-8B34-C09B3A0DDDAE}"/>
+                <a16:creationId xmlns:a16="http://schemas.microsoft.com/office/drawing/2014/main" id="{27A7A5D2-6237-E945-9CD4-D8DF5FB30B3B}"/>
               </a:ext>
             </a:extLst>
           </p:cNvPr>
@@ -1730,7 +1730,7 @@
           <p:cNvPr id="6" name="内容占位符 5">
             <a:extLst>
               <a:ext uri="{FF2B5EF4-FFF2-40B4-BE49-F238E27FC236}">
-                <a16:creationId xmlns:a16="http://schemas.microsoft.com/office/drawing/2014/main" id="{CAA2EDDB-31D3-B7D5-C064-491DAA738791}"/>
+                <a16:creationId xmlns:a16="http://schemas.microsoft.com/office/drawing/2014/main" id="{185131C3-968A-5CCF-E209-91577391513B}"/>
               </a:ext>
             </a:extLst>
           </p:cNvPr>
@@ -1792,7 +1792,7 @@
           <p:cNvPr id="7" name="日期占位符 6">
             <a:extLst>
               <a:ext uri="{FF2B5EF4-FFF2-40B4-BE49-F238E27FC236}">
-                <a16:creationId xmlns:a16="http://schemas.microsoft.com/office/drawing/2014/main" id="{036AE9D9-76DB-03BB-4ECD-E30DF8C18315}"/>
+                <a16:creationId xmlns:a16="http://schemas.microsoft.com/office/drawing/2014/main" id="{EF76DC90-A6C5-98A8-5CB3-B25C22A6ED5E}"/>
               </a:ext>
             </a:extLst>
           </p:cNvPr>
@@ -1808,7 +1808,7 @@
           <a:bodyPr/>
           <a:lstStyle/>
           <a:p>
-            <a:fld id="{0AD2DBBD-D69C-4085-8492-CFAB4E8FA3A8}" type="datetimeFigureOut">
+            <a:fld id="{01525CE1-0038-406B-9E1B-E7DDEBAB059C}" type="datetimeFigureOut">
               <a:rPr lang="zh-CN" altLang="en-US" smtClean="0"/>
               <a:t>2024/3/10</a:t>
             </a:fld>
@@ -1821,7 +1821,7 @@
           <p:cNvPr id="8" name="页脚占位符 7">
             <a:extLst>
               <a:ext uri="{FF2B5EF4-FFF2-40B4-BE49-F238E27FC236}">
-                <a16:creationId xmlns:a16="http://schemas.microsoft.com/office/drawing/2014/main" id="{E720F6D0-182A-3702-5D81-A75AA1227771}"/>
+                <a16:creationId xmlns:a16="http://schemas.microsoft.com/office/drawing/2014/main" id="{B8ACB7E9-80E7-EF90-FA85-69E1913991D1}"/>
               </a:ext>
             </a:extLst>
           </p:cNvPr>
@@ -1846,7 +1846,7 @@
           <p:cNvPr id="9" name="灯片编号占位符 8">
             <a:extLst>
               <a:ext uri="{FF2B5EF4-FFF2-40B4-BE49-F238E27FC236}">
-                <a16:creationId xmlns:a16="http://schemas.microsoft.com/office/drawing/2014/main" id="{2B4A8E9B-12DA-A17C-8678-90FA54561D3D}"/>
+                <a16:creationId xmlns:a16="http://schemas.microsoft.com/office/drawing/2014/main" id="{C9AF1791-5152-B6C4-802F-2F7D1C81D4FB}"/>
               </a:ext>
             </a:extLst>
           </p:cNvPr>
@@ -1862,7 +1862,7 @@
           <a:bodyPr/>
           <a:lstStyle/>
           <a:p>
-            <a:fld id="{6E0E52B9-A3EE-4317-9A64-475EFB8D9E16}" type="slidenum">
+            <a:fld id="{FD76F0EB-0544-429F-A2F8-99FDE8777CE4}" type="slidenum">
               <a:rPr lang="zh-CN" altLang="en-US" smtClean="0"/>
               <a:t>‹#›</a:t>
             </a:fld>
@@ -1873,7 +1873,7 @@
     </p:spTree>
     <p:extLst>
       <p:ext uri="{BB962C8B-B14F-4D97-AF65-F5344CB8AC3E}">
-        <p14:creationId xmlns:p14="http://schemas.microsoft.com/office/powerpoint/2010/main" val="569073335"/>
+        <p14:creationId xmlns:p14="http://schemas.microsoft.com/office/powerpoint/2010/main" val="723823558"/>
       </p:ext>
     </p:extLst>
   </p:cSld>
@@ -1905,7 +1905,7 @@
           <p:cNvPr id="2" name="标题 1">
             <a:extLst>
               <a:ext uri="{FF2B5EF4-FFF2-40B4-BE49-F238E27FC236}">
-                <a16:creationId xmlns:a16="http://schemas.microsoft.com/office/drawing/2014/main" id="{F648F28E-D5EB-189D-80F4-7471F8902320}"/>
+                <a16:creationId xmlns:a16="http://schemas.microsoft.com/office/drawing/2014/main" id="{4BBF7A26-205D-E26D-4450-D469869E8F6A}"/>
               </a:ext>
             </a:extLst>
           </p:cNvPr>
@@ -1933,7 +1933,7 @@
           <p:cNvPr id="3" name="日期占位符 2">
             <a:extLst>
               <a:ext uri="{FF2B5EF4-FFF2-40B4-BE49-F238E27FC236}">
-                <a16:creationId xmlns:a16="http://schemas.microsoft.com/office/drawing/2014/main" id="{AA8C94D1-8F02-09E5-C5C8-585F8A3B3A6C}"/>
+                <a16:creationId xmlns:a16="http://schemas.microsoft.com/office/drawing/2014/main" id="{334457D8-8031-8F18-86D7-E064CA609020}"/>
               </a:ext>
             </a:extLst>
           </p:cNvPr>
@@ -1949,7 +1949,7 @@
           <a:bodyPr/>
           <a:lstStyle/>
           <a:p>
-            <a:fld id="{0AD2DBBD-D69C-4085-8492-CFAB4E8FA3A8}" type="datetimeFigureOut">
+            <a:fld id="{01525CE1-0038-406B-9E1B-E7DDEBAB059C}" type="datetimeFigureOut">
               <a:rPr lang="zh-CN" altLang="en-US" smtClean="0"/>
               <a:t>2024/3/10</a:t>
             </a:fld>
@@ -1962,7 +1962,7 @@
           <p:cNvPr id="4" name="页脚占位符 3">
             <a:extLst>
               <a:ext uri="{FF2B5EF4-FFF2-40B4-BE49-F238E27FC236}">
-                <a16:creationId xmlns:a16="http://schemas.microsoft.com/office/drawing/2014/main" id="{257DAE5A-D5BF-5EEF-CE57-D18EA746395C}"/>
+                <a16:creationId xmlns:a16="http://schemas.microsoft.com/office/drawing/2014/main" id="{99E38A51-8834-B75C-BD23-AA466C987A7C}"/>
               </a:ext>
             </a:extLst>
           </p:cNvPr>
@@ -1987,7 +1987,7 @@
           <p:cNvPr id="5" name="灯片编号占位符 4">
             <a:extLst>
               <a:ext uri="{FF2B5EF4-FFF2-40B4-BE49-F238E27FC236}">
-                <a16:creationId xmlns:a16="http://schemas.microsoft.com/office/drawing/2014/main" id="{70F21F3E-F88B-AC79-AFD9-E04EA5107B9A}"/>
+                <a16:creationId xmlns:a16="http://schemas.microsoft.com/office/drawing/2014/main" id="{0BF3CE6F-1AED-960B-0141-1CA9B4D856AE}"/>
               </a:ext>
             </a:extLst>
           </p:cNvPr>
@@ -2003,7 +2003,7 @@
           <a:bodyPr/>
           <a:lstStyle/>
           <a:p>
-            <a:fld id="{6E0E52B9-A3EE-4317-9A64-475EFB8D9E16}" type="slidenum">
+            <a:fld id="{FD76F0EB-0544-429F-A2F8-99FDE8777CE4}" type="slidenum">
               <a:rPr lang="zh-CN" altLang="en-US" smtClean="0"/>
               <a:t>‹#›</a:t>
             </a:fld>
@@ -2014,7 +2014,7 @@
     </p:spTree>
     <p:extLst>
       <p:ext uri="{BB962C8B-B14F-4D97-AF65-F5344CB8AC3E}">
-        <p14:creationId xmlns:p14="http://schemas.microsoft.com/office/powerpoint/2010/main" val="602597936"/>
+        <p14:creationId xmlns:p14="http://schemas.microsoft.com/office/powerpoint/2010/main" val="4292821179"/>
       </p:ext>
     </p:extLst>
   </p:cSld>
@@ -2046,7 +2046,7 @@
           <p:cNvPr id="2" name="日期占位符 1">
             <a:extLst>
               <a:ext uri="{FF2B5EF4-FFF2-40B4-BE49-F238E27FC236}">
-                <a16:creationId xmlns:a16="http://schemas.microsoft.com/office/drawing/2014/main" id="{A2A6CAE2-A7EB-D286-2436-7B042D329539}"/>
+                <a16:creationId xmlns:a16="http://schemas.microsoft.com/office/drawing/2014/main" id="{1A8FCE37-A0FB-F102-B3B0-37DE22039182}"/>
               </a:ext>
             </a:extLst>
           </p:cNvPr>
@@ -2062,7 +2062,7 @@
           <a:bodyPr/>
           <a:lstStyle/>
           <a:p>
-            <a:fld id="{0AD2DBBD-D69C-4085-8492-CFAB4E8FA3A8}" type="datetimeFigureOut">
+            <a:fld id="{01525CE1-0038-406B-9E1B-E7DDEBAB059C}" type="datetimeFigureOut">
               <a:rPr lang="zh-CN" altLang="en-US" smtClean="0"/>
               <a:t>2024/3/10</a:t>
             </a:fld>
@@ -2075,7 +2075,7 @@
           <p:cNvPr id="3" name="页脚占位符 2">
             <a:extLst>
               <a:ext uri="{FF2B5EF4-FFF2-40B4-BE49-F238E27FC236}">
-                <a16:creationId xmlns:a16="http://schemas.microsoft.com/office/drawing/2014/main" id="{2CE6503C-BC6D-91CB-03C4-6E0BA9EABF5B}"/>
+                <a16:creationId xmlns:a16="http://schemas.microsoft.com/office/drawing/2014/main" id="{04D05276-8AC4-9EA6-B19D-35737D7B7EC5}"/>
               </a:ext>
             </a:extLst>
           </p:cNvPr>
@@ -2100,7 +2100,7 @@
           <p:cNvPr id="4" name="灯片编号占位符 3">
             <a:extLst>
               <a:ext uri="{FF2B5EF4-FFF2-40B4-BE49-F238E27FC236}">
-                <a16:creationId xmlns:a16="http://schemas.microsoft.com/office/drawing/2014/main" id="{620AD103-21BB-1357-99A0-D887597F54E4}"/>
+                <a16:creationId xmlns:a16="http://schemas.microsoft.com/office/drawing/2014/main" id="{E3ECD6D3-68B5-9922-93D1-1F20CD7D4717}"/>
               </a:ext>
             </a:extLst>
           </p:cNvPr>
@@ -2116,7 +2116,7 @@
           <a:bodyPr/>
           <a:lstStyle/>
           <a:p>
-            <a:fld id="{6E0E52B9-A3EE-4317-9A64-475EFB8D9E16}" type="slidenum">
+            <a:fld id="{FD76F0EB-0544-429F-A2F8-99FDE8777CE4}" type="slidenum">
               <a:rPr lang="zh-CN" altLang="en-US" smtClean="0"/>
               <a:t>‹#›</a:t>
             </a:fld>
@@ -2127,7 +2127,7 @@
     </p:spTree>
     <p:extLst>
       <p:ext uri="{BB962C8B-B14F-4D97-AF65-F5344CB8AC3E}">
-        <p14:creationId xmlns:p14="http://schemas.microsoft.com/office/powerpoint/2010/main" val="2581433123"/>
+        <p14:creationId xmlns:p14="http://schemas.microsoft.com/office/powerpoint/2010/main" val="4127475744"/>
       </p:ext>
     </p:extLst>
   </p:cSld>
@@ -2159,7 +2159,7 @@
           <p:cNvPr id="2" name="标题 1">
             <a:extLst>
               <a:ext uri="{FF2B5EF4-FFF2-40B4-BE49-F238E27FC236}">
-                <a16:creationId xmlns:a16="http://schemas.microsoft.com/office/drawing/2014/main" id="{BC0D6CB3-781E-9450-7714-D1CA7649DB00}"/>
+                <a16:creationId xmlns:a16="http://schemas.microsoft.com/office/drawing/2014/main" id="{A4F2CA63-37D3-BAFF-7726-4E2694E6AD9F}"/>
               </a:ext>
             </a:extLst>
           </p:cNvPr>
@@ -2196,7 +2196,7 @@
           <p:cNvPr id="3" name="内容占位符 2">
             <a:extLst>
               <a:ext uri="{FF2B5EF4-FFF2-40B4-BE49-F238E27FC236}">
-                <a16:creationId xmlns:a16="http://schemas.microsoft.com/office/drawing/2014/main" id="{BEC8A8F7-4913-D574-6EC7-B162198ABB96}"/>
+                <a16:creationId xmlns:a16="http://schemas.microsoft.com/office/drawing/2014/main" id="{DFC5A9B6-5547-0DC5-A19A-B9E886CD977E}"/>
               </a:ext>
             </a:extLst>
           </p:cNvPr>
@@ -2286,7 +2286,7 @@
           <p:cNvPr id="4" name="文本占位符 3">
             <a:extLst>
               <a:ext uri="{FF2B5EF4-FFF2-40B4-BE49-F238E27FC236}">
-                <a16:creationId xmlns:a16="http://schemas.microsoft.com/office/drawing/2014/main" id="{9EE4BC3F-1D53-B861-AB9C-EF341724A174}"/>
+                <a16:creationId xmlns:a16="http://schemas.microsoft.com/office/drawing/2014/main" id="{D1870DB1-B1DE-61C5-6E19-CF1C3DA28BC6}"/>
               </a:ext>
             </a:extLst>
           </p:cNvPr>
@@ -2357,7 +2357,7 @@
           <p:cNvPr id="5" name="日期占位符 4">
             <a:extLst>
               <a:ext uri="{FF2B5EF4-FFF2-40B4-BE49-F238E27FC236}">
-                <a16:creationId xmlns:a16="http://schemas.microsoft.com/office/drawing/2014/main" id="{2D26C037-AEB7-F58D-2ADA-F6EB393E0B77}"/>
+                <a16:creationId xmlns:a16="http://schemas.microsoft.com/office/drawing/2014/main" id="{3820B054-5E91-DCEC-AF80-EB7AB79E65A6}"/>
               </a:ext>
             </a:extLst>
           </p:cNvPr>
@@ -2373,7 +2373,7 @@
           <a:bodyPr/>
           <a:lstStyle/>
           <a:p>
-            <a:fld id="{0AD2DBBD-D69C-4085-8492-CFAB4E8FA3A8}" type="datetimeFigureOut">
+            <a:fld id="{01525CE1-0038-406B-9E1B-E7DDEBAB059C}" type="datetimeFigureOut">
               <a:rPr lang="zh-CN" altLang="en-US" smtClean="0"/>
               <a:t>2024/3/10</a:t>
             </a:fld>
@@ -2386,7 +2386,7 @@
           <p:cNvPr id="6" name="页脚占位符 5">
             <a:extLst>
               <a:ext uri="{FF2B5EF4-FFF2-40B4-BE49-F238E27FC236}">
-                <a16:creationId xmlns:a16="http://schemas.microsoft.com/office/drawing/2014/main" id="{AC2FC6BE-9CEE-A2FF-CF03-3872AC82A4A9}"/>
+                <a16:creationId xmlns:a16="http://schemas.microsoft.com/office/drawing/2014/main" id="{0AB84192-8942-FB80-D60A-105CDD9642AA}"/>
               </a:ext>
             </a:extLst>
           </p:cNvPr>
@@ -2411,7 +2411,7 @@
           <p:cNvPr id="7" name="灯片编号占位符 6">
             <a:extLst>
               <a:ext uri="{FF2B5EF4-FFF2-40B4-BE49-F238E27FC236}">
-                <a16:creationId xmlns:a16="http://schemas.microsoft.com/office/drawing/2014/main" id="{B29687CC-E0B5-95B4-713B-39547152C55E}"/>
+                <a16:creationId xmlns:a16="http://schemas.microsoft.com/office/drawing/2014/main" id="{CFFFD6E7-C36F-4741-EF5A-A890FC866230}"/>
               </a:ext>
             </a:extLst>
           </p:cNvPr>
@@ -2427,7 +2427,7 @@
           <a:bodyPr/>
           <a:lstStyle/>
           <a:p>
-            <a:fld id="{6E0E52B9-A3EE-4317-9A64-475EFB8D9E16}" type="slidenum">
+            <a:fld id="{FD76F0EB-0544-429F-A2F8-99FDE8777CE4}" type="slidenum">
               <a:rPr lang="zh-CN" altLang="en-US" smtClean="0"/>
               <a:t>‹#›</a:t>
             </a:fld>
@@ -2438,7 +2438,7 @@
     </p:spTree>
     <p:extLst>
       <p:ext uri="{BB962C8B-B14F-4D97-AF65-F5344CB8AC3E}">
-        <p14:creationId xmlns:p14="http://schemas.microsoft.com/office/powerpoint/2010/main" val="1153013799"/>
+        <p14:creationId xmlns:p14="http://schemas.microsoft.com/office/powerpoint/2010/main" val="3040560047"/>
       </p:ext>
     </p:extLst>
   </p:cSld>
@@ -2470,7 +2470,7 @@
           <p:cNvPr id="2" name="标题 1">
             <a:extLst>
               <a:ext uri="{FF2B5EF4-FFF2-40B4-BE49-F238E27FC236}">
-                <a16:creationId xmlns:a16="http://schemas.microsoft.com/office/drawing/2014/main" id="{4844AA6E-F029-3958-3DDF-9F9B3EEB6885}"/>
+                <a16:creationId xmlns:a16="http://schemas.microsoft.com/office/drawing/2014/main" id="{3801555A-99DC-E59F-7BC3-DF7EC996AD41}"/>
               </a:ext>
             </a:extLst>
           </p:cNvPr>
@@ -2507,7 +2507,7 @@
           <p:cNvPr id="3" name="图片占位符 2">
             <a:extLst>
               <a:ext uri="{FF2B5EF4-FFF2-40B4-BE49-F238E27FC236}">
-                <a16:creationId xmlns:a16="http://schemas.microsoft.com/office/drawing/2014/main" id="{7D592551-31C1-F491-D6D8-AE8B09780C7A}"/>
+                <a16:creationId xmlns:a16="http://schemas.microsoft.com/office/drawing/2014/main" id="{1538E85F-4DD6-0949-03E4-27B0FAF7B696}"/>
               </a:ext>
             </a:extLst>
           </p:cNvPr>
@@ -2574,7 +2574,7 @@
           <p:cNvPr id="4" name="文本占位符 3">
             <a:extLst>
               <a:ext uri="{FF2B5EF4-FFF2-40B4-BE49-F238E27FC236}">
-                <a16:creationId xmlns:a16="http://schemas.microsoft.com/office/drawing/2014/main" id="{42A2E9F5-B6CC-4021-5AD2-43F9A4BDB9E9}"/>
+                <a16:creationId xmlns:a16="http://schemas.microsoft.com/office/drawing/2014/main" id="{8874C276-6AA4-D6FE-B70D-21879ECF332C}"/>
               </a:ext>
             </a:extLst>
           </p:cNvPr>
@@ -2645,7 +2645,7 @@
           <p:cNvPr id="5" name="日期占位符 4">
             <a:extLst>
               <a:ext uri="{FF2B5EF4-FFF2-40B4-BE49-F238E27FC236}">
-                <a16:creationId xmlns:a16="http://schemas.microsoft.com/office/drawing/2014/main" id="{920553D4-A056-3A1A-AF6A-E1C6775130F5}"/>
+                <a16:creationId xmlns:a16="http://schemas.microsoft.com/office/drawing/2014/main" id="{66A9C7D1-14F5-C640-D89B-ACF65742F024}"/>
               </a:ext>
             </a:extLst>
           </p:cNvPr>
@@ -2661,7 +2661,7 @@
           <a:bodyPr/>
           <a:lstStyle/>
           <a:p>
-            <a:fld id="{0AD2DBBD-D69C-4085-8492-CFAB4E8FA3A8}" type="datetimeFigureOut">
+            <a:fld id="{01525CE1-0038-406B-9E1B-E7DDEBAB059C}" type="datetimeFigureOut">
               <a:rPr lang="zh-CN" altLang="en-US" smtClean="0"/>
               <a:t>2024/3/10</a:t>
             </a:fld>
@@ -2674,7 +2674,7 @@
           <p:cNvPr id="6" name="页脚占位符 5">
             <a:extLst>
               <a:ext uri="{FF2B5EF4-FFF2-40B4-BE49-F238E27FC236}">
-                <a16:creationId xmlns:a16="http://schemas.microsoft.com/office/drawing/2014/main" id="{4109B327-4C46-D03D-D14D-D402E0B47541}"/>
+                <a16:creationId xmlns:a16="http://schemas.microsoft.com/office/drawing/2014/main" id="{8548B7D1-77C2-6CD0-834A-5D2508545F93}"/>
               </a:ext>
             </a:extLst>
           </p:cNvPr>
@@ -2699,7 +2699,7 @@
           <p:cNvPr id="7" name="灯片编号占位符 6">
             <a:extLst>
               <a:ext uri="{FF2B5EF4-FFF2-40B4-BE49-F238E27FC236}">
-                <a16:creationId xmlns:a16="http://schemas.microsoft.com/office/drawing/2014/main" id="{98101BBB-04AF-A4E3-E129-84C4A8F7E2BE}"/>
+                <a16:creationId xmlns:a16="http://schemas.microsoft.com/office/drawing/2014/main" id="{642651B9-4776-59CF-14E4-E9CD1F2BEFF9}"/>
               </a:ext>
             </a:extLst>
           </p:cNvPr>
@@ -2715,7 +2715,7 @@
           <a:bodyPr/>
           <a:lstStyle/>
           <a:p>
-            <a:fld id="{6E0E52B9-A3EE-4317-9A64-475EFB8D9E16}" type="slidenum">
+            <a:fld id="{FD76F0EB-0544-429F-A2F8-99FDE8777CE4}" type="slidenum">
               <a:rPr lang="zh-CN" altLang="en-US" smtClean="0"/>
               <a:t>‹#›</a:t>
             </a:fld>
@@ -2726,7 +2726,7 @@
     </p:spTree>
     <p:extLst>
       <p:ext uri="{BB962C8B-B14F-4D97-AF65-F5344CB8AC3E}">
-        <p14:creationId xmlns:p14="http://schemas.microsoft.com/office/powerpoint/2010/main" val="43633229"/>
+        <p14:creationId xmlns:p14="http://schemas.microsoft.com/office/powerpoint/2010/main" val="1486224849"/>
       </p:ext>
     </p:extLst>
   </p:cSld>
@@ -2763,7 +2763,7 @@
           <p:cNvPr id="2" name="标题占位符 1">
             <a:extLst>
               <a:ext uri="{FF2B5EF4-FFF2-40B4-BE49-F238E27FC236}">
-                <a16:creationId xmlns:a16="http://schemas.microsoft.com/office/drawing/2014/main" id="{0DD3974A-F38F-24DC-E853-534EDC8392DE}"/>
+                <a16:creationId xmlns:a16="http://schemas.microsoft.com/office/drawing/2014/main" id="{69E4D3C7-6B8F-D5FB-AFBA-A364110FE19F}"/>
               </a:ext>
             </a:extLst>
           </p:cNvPr>
@@ -2801,7 +2801,7 @@
           <p:cNvPr id="3" name="文本占位符 2">
             <a:extLst>
               <a:ext uri="{FF2B5EF4-FFF2-40B4-BE49-F238E27FC236}">
-                <a16:creationId xmlns:a16="http://schemas.microsoft.com/office/drawing/2014/main" id="{65760574-99ED-28DB-9D17-B864D1FD4DF8}"/>
+                <a16:creationId xmlns:a16="http://schemas.microsoft.com/office/drawing/2014/main" id="{B29EAD5B-FBA6-8A3D-D4D5-566C19160F9A}"/>
               </a:ext>
             </a:extLst>
           </p:cNvPr>
@@ -2868,7 +2868,7 @@
           <p:cNvPr id="4" name="日期占位符 3">
             <a:extLst>
               <a:ext uri="{FF2B5EF4-FFF2-40B4-BE49-F238E27FC236}">
-                <a16:creationId xmlns:a16="http://schemas.microsoft.com/office/drawing/2014/main" id="{D4763DAD-EEED-F2F7-CD24-FB3D92CD73BA}"/>
+                <a16:creationId xmlns:a16="http://schemas.microsoft.com/office/drawing/2014/main" id="{01B3A9F6-C37B-BB1F-5458-6FA8DA4E238F}"/>
               </a:ext>
             </a:extLst>
           </p:cNvPr>
@@ -2902,7 +2902,7 @@
             </a:lvl1pPr>
           </a:lstStyle>
           <a:p>
-            <a:fld id="{0AD2DBBD-D69C-4085-8492-CFAB4E8FA3A8}" type="datetimeFigureOut">
+            <a:fld id="{01525CE1-0038-406B-9E1B-E7DDEBAB059C}" type="datetimeFigureOut">
               <a:rPr lang="zh-CN" altLang="en-US" smtClean="0"/>
               <a:t>2024/3/10</a:t>
             </a:fld>
@@ -2915,7 +2915,7 @@
           <p:cNvPr id="5" name="页脚占位符 4">
             <a:extLst>
               <a:ext uri="{FF2B5EF4-FFF2-40B4-BE49-F238E27FC236}">
-                <a16:creationId xmlns:a16="http://schemas.microsoft.com/office/drawing/2014/main" id="{1103ABE6-90F9-82F8-1F43-138DBB319334}"/>
+                <a16:creationId xmlns:a16="http://schemas.microsoft.com/office/drawing/2014/main" id="{180721A1-C451-CD87-0D26-DAE17778EBE1}"/>
               </a:ext>
             </a:extLst>
           </p:cNvPr>
@@ -2958,7 +2958,7 @@
           <p:cNvPr id="6" name="灯片编号占位符 5">
             <a:extLst>
               <a:ext uri="{FF2B5EF4-FFF2-40B4-BE49-F238E27FC236}">
-                <a16:creationId xmlns:a16="http://schemas.microsoft.com/office/drawing/2014/main" id="{4019F7C8-0BC0-5229-D4A0-5AFFD992D854}"/>
+                <a16:creationId xmlns:a16="http://schemas.microsoft.com/office/drawing/2014/main" id="{787B3203-CC25-EE04-1207-1D371F207689}"/>
               </a:ext>
             </a:extLst>
           </p:cNvPr>
@@ -2992,7 +2992,7 @@
             </a:lvl1pPr>
           </a:lstStyle>
           <a:p>
-            <a:fld id="{6E0E52B9-A3EE-4317-9A64-475EFB8D9E16}" type="slidenum">
+            <a:fld id="{FD76F0EB-0544-429F-A2F8-99FDE8777CE4}" type="slidenum">
               <a:rPr lang="zh-CN" altLang="en-US" smtClean="0"/>
               <a:t>‹#›</a:t>
             </a:fld>
@@ -3003,7 +3003,7 @@
     </p:spTree>
     <p:extLst>
       <p:ext uri="{BB962C8B-B14F-4D97-AF65-F5344CB8AC3E}">
-        <p14:creationId xmlns:p14="http://schemas.microsoft.com/office/powerpoint/2010/main" val="2833713922"/>
+        <p14:creationId xmlns:p14="http://schemas.microsoft.com/office/powerpoint/2010/main" val="878227413"/>
       </p:ext>
     </p:extLst>
   </p:cSld>
@@ -3323,7 +3323,7 @@
       </p:grpSpPr>
       <p:pic>
         <p:nvPicPr>
-          <p:cNvPr id="842754" name="Picture 2" descr="822"/>
+          <p:cNvPr id="843778" name="Picture 2" descr="823"/>
           <p:cNvPicPr>
             <a:picLocks noChangeAspect="1" noChangeArrowheads="1"/>
           </p:cNvPicPr>
@@ -3345,7 +3345,7 @@
         <p:spPr bwMode="auto">
           <a:xfrm>
             <a:off x="1524000" y="0"/>
-            <a:ext cx="9144000" cy="5949950"/>
+            <a:ext cx="9144000" cy="6858000"/>
           </a:xfrm>
           <a:prstGeom prst="rect">
             <a:avLst/>
